--- a/splunkdemo.pptx
+++ b/splunkdemo.pptx
@@ -118,6 +118,11 @@
       </a:defRPr>
     </a:lvl9pPr>
   </p:defaultTextStyle>
+  <p:extLst>
+    <p:ext uri="{EFAFB233-063F-42B5-8137-9DF3F51BA10A}">
+      <p15:sldGuideLst xmlns:p15="http://schemas.microsoft.com/office/powerpoint/2012/main"/>
+    </p:ext>
+  </p:extLst>
 </p:presentation>
 </file>
 
@@ -171,7 +176,7 @@
           <a:noFill/>
           <a:extLst>
             <a:ext uri="{909E8E84-426E-40dd-AFC4-6F175D3DCCD1}">
-              <a14:hiddenFill xmlns:a14="http://schemas.microsoft.com/office/drawing/2010/main" xmlns="">
+              <a14:hiddenFill xmlns="" xmlns:a14="http://schemas.microsoft.com/office/drawing/2010/main">
                 <a:solidFill>
                   <a:srgbClr val="FFFFFF"/>
                 </a:solidFill>
@@ -231,7 +236,7 @@
             </a:ln>
             <a:extLst>
               <a:ext uri="{91240B29-F687-4f45-9708-019B960494DF}">
-                <a14:hiddenLine xmlns:a14="http://schemas.microsoft.com/office/drawing/2010/main" xmlns="" w="9525">
+                <a14:hiddenLine xmlns="" xmlns:a14="http://schemas.microsoft.com/office/drawing/2010/main" w="9525">
                   <a:solidFill>
                     <a:srgbClr val="000000"/>
                   </a:solidFill>
@@ -321,7 +326,7 @@
             </a:ln>
             <a:extLst>
               <a:ext uri="{91240B29-F687-4f45-9708-019B960494DF}">
-                <a14:hiddenLine xmlns:a14="http://schemas.microsoft.com/office/drawing/2010/main" xmlns="" w="9525">
+                <a14:hiddenLine xmlns="" xmlns:a14="http://schemas.microsoft.com/office/drawing/2010/main" w="9525">
                   <a:solidFill>
                     <a:srgbClr val="000000"/>
                   </a:solidFill>
@@ -411,7 +416,7 @@
             </a:ln>
             <a:extLst>
               <a:ext uri="{91240B29-F687-4f45-9708-019B960494DF}">
-                <a14:hiddenLine xmlns:a14="http://schemas.microsoft.com/office/drawing/2010/main" xmlns="" w="9525">
+                <a14:hiddenLine xmlns="" xmlns:a14="http://schemas.microsoft.com/office/drawing/2010/main" w="9525">
                   <a:solidFill>
                     <a:srgbClr val="000000"/>
                   </a:solidFill>
@@ -445,7 +450,7 @@
             </a:ln>
             <a:extLst>
               <a:ext uri="{91240B29-F687-4f45-9708-019B960494DF}">
-                <a14:hiddenLine xmlns:a14="http://schemas.microsoft.com/office/drawing/2010/main" xmlns="" w="9525">
+                <a14:hiddenLine xmlns="" xmlns:a14="http://schemas.microsoft.com/office/drawing/2010/main" w="9525">
                   <a:solidFill>
                     <a:srgbClr val="000000"/>
                   </a:solidFill>
@@ -535,7 +540,7 @@
             </a:ln>
             <a:extLst>
               <a:ext uri="{91240B29-F687-4f45-9708-019B960494DF}">
-                <a14:hiddenLine xmlns:a14="http://schemas.microsoft.com/office/drawing/2010/main" xmlns="" w="9525">
+                <a14:hiddenLine xmlns="" xmlns:a14="http://schemas.microsoft.com/office/drawing/2010/main" w="9525">
                   <a:solidFill>
                     <a:srgbClr val="000000"/>
                   </a:solidFill>
@@ -597,7 +602,7 @@
             </a:ln>
             <a:extLst>
               <a:ext uri="{91240B29-F687-4f45-9708-019B960494DF}">
-                <a14:hiddenLine xmlns:a14="http://schemas.microsoft.com/office/drawing/2010/main" xmlns="" w="9525">
+                <a14:hiddenLine xmlns="" xmlns:a14="http://schemas.microsoft.com/office/drawing/2010/main" w="9525">
                   <a:solidFill>
                     <a:srgbClr val="000000"/>
                   </a:solidFill>
@@ -659,7 +664,7 @@
             </a:ln>
             <a:extLst>
               <a:ext uri="{91240B29-F687-4f45-9708-019B960494DF}">
-                <a14:hiddenLine xmlns:a14="http://schemas.microsoft.com/office/drawing/2010/main" xmlns="" w="9525">
+                <a14:hiddenLine xmlns="" xmlns:a14="http://schemas.microsoft.com/office/drawing/2010/main" w="9525">
                   <a:solidFill>
                     <a:srgbClr val="000000"/>
                   </a:solidFill>
@@ -749,7 +754,7 @@
             </a:ln>
             <a:extLst>
               <a:ext uri="{91240B29-F687-4f45-9708-019B960494DF}">
-                <a14:hiddenLine xmlns:a14="http://schemas.microsoft.com/office/drawing/2010/main" xmlns="" w="9525">
+                <a14:hiddenLine xmlns="" xmlns:a14="http://schemas.microsoft.com/office/drawing/2010/main" w="9525">
                   <a:solidFill>
                     <a:srgbClr val="000000"/>
                   </a:solidFill>
@@ -811,7 +816,7 @@
             </a:ln>
             <a:extLst>
               <a:ext uri="{91240B29-F687-4f45-9708-019B960494DF}">
-                <a14:hiddenLine xmlns:a14="http://schemas.microsoft.com/office/drawing/2010/main" xmlns="" w="9525">
+                <a14:hiddenLine xmlns="" xmlns:a14="http://schemas.microsoft.com/office/drawing/2010/main" w="9525">
                   <a:solidFill>
                     <a:srgbClr val="000000"/>
                   </a:solidFill>
@@ -873,7 +878,7 @@
             </a:ln>
             <a:extLst>
               <a:ext uri="{91240B29-F687-4f45-9708-019B960494DF}">
-                <a14:hiddenLine xmlns:a14="http://schemas.microsoft.com/office/drawing/2010/main" xmlns="" w="9525">
+                <a14:hiddenLine xmlns="" xmlns:a14="http://schemas.microsoft.com/office/drawing/2010/main" w="9525">
                   <a:solidFill>
                     <a:srgbClr val="000000"/>
                   </a:solidFill>
@@ -963,7 +968,7 @@
             </a:ln>
             <a:extLst>
               <a:ext uri="{91240B29-F687-4f45-9708-019B960494DF}">
-                <a14:hiddenLine xmlns:a14="http://schemas.microsoft.com/office/drawing/2010/main" xmlns="" w="9525">
+                <a14:hiddenLine xmlns="" xmlns:a14="http://schemas.microsoft.com/office/drawing/2010/main" w="9525">
                   <a:solidFill>
                     <a:srgbClr val="000000"/>
                   </a:solidFill>
@@ -1053,7 +1058,7 @@
             </a:ln>
             <a:extLst>
               <a:ext uri="{91240B29-F687-4f45-9708-019B960494DF}">
-                <a14:hiddenLine xmlns:a14="http://schemas.microsoft.com/office/drawing/2010/main" xmlns="" w="9525">
+                <a14:hiddenLine xmlns="" xmlns:a14="http://schemas.microsoft.com/office/drawing/2010/main" w="9525">
                   <a:solidFill>
                     <a:srgbClr val="000000"/>
                   </a:solidFill>
@@ -1115,7 +1120,7 @@
             </a:ln>
             <a:extLst>
               <a:ext uri="{91240B29-F687-4f45-9708-019B960494DF}">
-                <a14:hiddenLine xmlns:a14="http://schemas.microsoft.com/office/drawing/2010/main" xmlns="" w="9525">
+                <a14:hiddenLine xmlns="" xmlns:a14="http://schemas.microsoft.com/office/drawing/2010/main" w="9525">
                   <a:solidFill>
                     <a:srgbClr val="000000"/>
                   </a:solidFill>
@@ -1225,7 +1230,7 @@
             </a:ln>
             <a:extLst>
               <a:ext uri="{91240B29-F687-4f45-9708-019B960494DF}">
-                <a14:hiddenLine xmlns:a14="http://schemas.microsoft.com/office/drawing/2010/main" xmlns="" w="9525">
+                <a14:hiddenLine xmlns="" xmlns:a14="http://schemas.microsoft.com/office/drawing/2010/main" w="9525">
                   <a:solidFill>
                     <a:srgbClr val="000000"/>
                   </a:solidFill>
@@ -1287,7 +1292,7 @@
             </a:ln>
             <a:extLst>
               <a:ext uri="{91240B29-F687-4f45-9708-019B960494DF}">
-                <a14:hiddenLine xmlns:a14="http://schemas.microsoft.com/office/drawing/2010/main" xmlns="" w="9525">
+                <a14:hiddenLine xmlns="" xmlns:a14="http://schemas.microsoft.com/office/drawing/2010/main" w="9525">
                   <a:solidFill>
                     <a:srgbClr val="000000"/>
                   </a:solidFill>
@@ -1377,7 +1382,7 @@
             </a:ln>
             <a:extLst>
               <a:ext uri="{91240B29-F687-4f45-9708-019B960494DF}">
-                <a14:hiddenLine xmlns:a14="http://schemas.microsoft.com/office/drawing/2010/main" xmlns="" w="9525">
+                <a14:hiddenLine xmlns="" xmlns:a14="http://schemas.microsoft.com/office/drawing/2010/main" w="9525">
                   <a:solidFill>
                     <a:srgbClr val="000000"/>
                   </a:solidFill>
@@ -1467,7 +1472,7 @@
             </a:ln>
             <a:extLst>
               <a:ext uri="{91240B29-F687-4f45-9708-019B960494DF}">
-                <a14:hiddenLine xmlns:a14="http://schemas.microsoft.com/office/drawing/2010/main" xmlns="" w="9525">
+                <a14:hiddenLine xmlns="" xmlns:a14="http://schemas.microsoft.com/office/drawing/2010/main" w="9525">
                   <a:solidFill>
                     <a:srgbClr val="000000"/>
                   </a:solidFill>
@@ -1529,7 +1534,7 @@
             </a:ln>
             <a:extLst>
               <a:ext uri="{91240B29-F687-4f45-9708-019B960494DF}">
-                <a14:hiddenLine xmlns:a14="http://schemas.microsoft.com/office/drawing/2010/main" xmlns="" w="9525">
+                <a14:hiddenLine xmlns="" xmlns:a14="http://schemas.microsoft.com/office/drawing/2010/main" w="9525">
                   <a:solidFill>
                     <a:srgbClr val="000000"/>
                   </a:solidFill>
@@ -1619,7 +1624,7 @@
             </a:ln>
             <a:extLst>
               <a:ext uri="{91240B29-F687-4f45-9708-019B960494DF}">
-                <a14:hiddenLine xmlns:a14="http://schemas.microsoft.com/office/drawing/2010/main" xmlns="" w="9525">
+                <a14:hiddenLine xmlns="" xmlns:a14="http://schemas.microsoft.com/office/drawing/2010/main" w="9525">
                   <a:solidFill>
                     <a:srgbClr val="000000"/>
                   </a:solidFill>
@@ -1709,7 +1714,7 @@
             </a:ln>
             <a:extLst>
               <a:ext uri="{91240B29-F687-4f45-9708-019B960494DF}">
-                <a14:hiddenLine xmlns:a14="http://schemas.microsoft.com/office/drawing/2010/main" xmlns="" w="9525">
+                <a14:hiddenLine xmlns="" xmlns:a14="http://schemas.microsoft.com/office/drawing/2010/main" w="9525">
                   <a:solidFill>
                     <a:srgbClr val="000000"/>
                   </a:solidFill>
@@ -1765,7 +1770,7 @@
             </a:ln>
             <a:extLst>
               <a:ext uri="{91240B29-F687-4f45-9708-019B960494DF}">
-                <a14:hiddenLine xmlns:a14="http://schemas.microsoft.com/office/drawing/2010/main" xmlns="" w="9525">
+                <a14:hiddenLine xmlns="" xmlns:a14="http://schemas.microsoft.com/office/drawing/2010/main" w="9525">
                   <a:solidFill>
                     <a:srgbClr val="000000"/>
                   </a:solidFill>
@@ -1855,7 +1860,7 @@
             </a:ln>
             <a:extLst>
               <a:ext uri="{91240B29-F687-4f45-9708-019B960494DF}">
-                <a14:hiddenLine xmlns:a14="http://schemas.microsoft.com/office/drawing/2010/main" xmlns="" w="9525">
+                <a14:hiddenLine xmlns="" xmlns:a14="http://schemas.microsoft.com/office/drawing/2010/main" w="9525">
                   <a:solidFill>
                     <a:srgbClr val="000000"/>
                   </a:solidFill>
@@ -1911,7 +1916,7 @@
             </a:ln>
             <a:extLst>
               <a:ext uri="{91240B29-F687-4f45-9708-019B960494DF}">
-                <a14:hiddenLine xmlns:a14="http://schemas.microsoft.com/office/drawing/2010/main" xmlns="" w="9525">
+                <a14:hiddenLine xmlns="" xmlns:a14="http://schemas.microsoft.com/office/drawing/2010/main" w="9525">
                   <a:solidFill>
                     <a:srgbClr val="000000"/>
                   </a:solidFill>
@@ -2001,7 +2006,7 @@
             </a:ln>
             <a:extLst>
               <a:ext uri="{91240B29-F687-4f45-9708-019B960494DF}">
-                <a14:hiddenLine xmlns:a14="http://schemas.microsoft.com/office/drawing/2010/main" xmlns="" w="9525">
+                <a14:hiddenLine xmlns="" xmlns:a14="http://schemas.microsoft.com/office/drawing/2010/main" w="9525">
                   <a:solidFill>
                     <a:srgbClr val="000000"/>
                   </a:solidFill>
@@ -2069,7 +2074,7 @@
             </a:ln>
             <a:extLst>
               <a:ext uri="{91240B29-F687-4f45-9708-019B960494DF}">
-                <a14:hiddenLine xmlns:a14="http://schemas.microsoft.com/office/drawing/2010/main" xmlns="" w="9525">
+                <a14:hiddenLine xmlns="" xmlns:a14="http://schemas.microsoft.com/office/drawing/2010/main" w="9525">
                   <a:solidFill>
                     <a:srgbClr val="000000"/>
                   </a:solidFill>
@@ -2159,7 +2164,7 @@
             </a:ln>
             <a:extLst>
               <a:ext uri="{91240B29-F687-4f45-9708-019B960494DF}">
-                <a14:hiddenLine xmlns:a14="http://schemas.microsoft.com/office/drawing/2010/main" xmlns="" w="9525">
+                <a14:hiddenLine xmlns="" xmlns:a14="http://schemas.microsoft.com/office/drawing/2010/main" w="9525">
                   <a:solidFill>
                     <a:srgbClr val="000000"/>
                   </a:solidFill>
@@ -2227,7 +2232,7 @@
             </a:ln>
             <a:extLst>
               <a:ext uri="{91240B29-F687-4f45-9708-019B960494DF}">
-                <a14:hiddenLine xmlns:a14="http://schemas.microsoft.com/office/drawing/2010/main" xmlns="" w="9525">
+                <a14:hiddenLine xmlns="" xmlns:a14="http://schemas.microsoft.com/office/drawing/2010/main" w="9525">
                   <a:solidFill>
                     <a:srgbClr val="000000"/>
                   </a:solidFill>
@@ -2317,7 +2322,7 @@
             </a:ln>
             <a:extLst>
               <a:ext uri="{91240B29-F687-4f45-9708-019B960494DF}">
-                <a14:hiddenLine xmlns:a14="http://schemas.microsoft.com/office/drawing/2010/main" xmlns="" w="9525">
+                <a14:hiddenLine xmlns="" xmlns:a14="http://schemas.microsoft.com/office/drawing/2010/main" w="9525">
                   <a:solidFill>
                     <a:srgbClr val="000000"/>
                   </a:solidFill>
@@ -2351,7 +2356,7 @@
             </a:ln>
             <a:extLst>
               <a:ext uri="{91240B29-F687-4f45-9708-019B960494DF}">
-                <a14:hiddenLine xmlns:a14="http://schemas.microsoft.com/office/drawing/2010/main" xmlns="" w="9525">
+                <a14:hiddenLine xmlns="" xmlns:a14="http://schemas.microsoft.com/office/drawing/2010/main" w="9525">
                   <a:solidFill>
                     <a:srgbClr val="000000"/>
                   </a:solidFill>
@@ -2441,7 +2446,7 @@
             </a:ln>
             <a:extLst>
               <a:ext uri="{91240B29-F687-4f45-9708-019B960494DF}">
-                <a14:hiddenLine xmlns:a14="http://schemas.microsoft.com/office/drawing/2010/main" xmlns="" w="9525">
+                <a14:hiddenLine xmlns="" xmlns:a14="http://schemas.microsoft.com/office/drawing/2010/main" w="9525">
                   <a:solidFill>
                     <a:srgbClr val="000000"/>
                   </a:solidFill>
@@ -2503,7 +2508,7 @@
             </a:ln>
             <a:extLst>
               <a:ext uri="{91240B29-F687-4f45-9708-019B960494DF}">
-                <a14:hiddenLine xmlns:a14="http://schemas.microsoft.com/office/drawing/2010/main" xmlns="" w="9525">
+                <a14:hiddenLine xmlns="" xmlns:a14="http://schemas.microsoft.com/office/drawing/2010/main" w="9525">
                   <a:solidFill>
                     <a:srgbClr val="000000"/>
                   </a:solidFill>
@@ -2565,7 +2570,7 @@
             </a:ln>
             <a:extLst>
               <a:ext uri="{91240B29-F687-4f45-9708-019B960494DF}">
-                <a14:hiddenLine xmlns:a14="http://schemas.microsoft.com/office/drawing/2010/main" xmlns="" w="9525">
+                <a14:hiddenLine xmlns="" xmlns:a14="http://schemas.microsoft.com/office/drawing/2010/main" w="9525">
                   <a:solidFill>
                     <a:srgbClr val="000000"/>
                   </a:solidFill>
@@ -2655,7 +2660,7 @@
             </a:ln>
             <a:extLst>
               <a:ext uri="{91240B29-F687-4f45-9708-019B960494DF}">
-                <a14:hiddenLine xmlns:a14="http://schemas.microsoft.com/office/drawing/2010/main" xmlns="" w="9525">
+                <a14:hiddenLine xmlns="" xmlns:a14="http://schemas.microsoft.com/office/drawing/2010/main" w="9525">
                   <a:solidFill>
                     <a:srgbClr val="000000"/>
                   </a:solidFill>
@@ -2723,7 +2728,7 @@
             </a:ln>
             <a:extLst>
               <a:ext uri="{91240B29-F687-4f45-9708-019B960494DF}">
-                <a14:hiddenLine xmlns:a14="http://schemas.microsoft.com/office/drawing/2010/main" xmlns="" w="9525">
+                <a14:hiddenLine xmlns="" xmlns:a14="http://schemas.microsoft.com/office/drawing/2010/main" w="9525">
                   <a:solidFill>
                     <a:srgbClr val="000000"/>
                   </a:solidFill>
@@ -2785,7 +2790,7 @@
             </a:ln>
             <a:extLst>
               <a:ext uri="{91240B29-F687-4f45-9708-019B960494DF}">
-                <a14:hiddenLine xmlns:a14="http://schemas.microsoft.com/office/drawing/2010/main" xmlns="" w="9525">
+                <a14:hiddenLine xmlns="" xmlns:a14="http://schemas.microsoft.com/office/drawing/2010/main" w="9525">
                   <a:solidFill>
                     <a:srgbClr val="000000"/>
                   </a:solidFill>
@@ -2875,7 +2880,7 @@
             </a:ln>
             <a:extLst>
               <a:ext uri="{91240B29-F687-4f45-9708-019B960494DF}">
-                <a14:hiddenLine xmlns:a14="http://schemas.microsoft.com/office/drawing/2010/main" xmlns="" w="9525">
+                <a14:hiddenLine xmlns="" xmlns:a14="http://schemas.microsoft.com/office/drawing/2010/main" w="9525">
                   <a:solidFill>
                     <a:srgbClr val="000000"/>
                   </a:solidFill>
@@ -2937,7 +2942,7 @@
             </a:ln>
             <a:extLst>
               <a:ext uri="{91240B29-F687-4f45-9708-019B960494DF}">
-                <a14:hiddenLine xmlns:a14="http://schemas.microsoft.com/office/drawing/2010/main" xmlns="" w="9525">
+                <a14:hiddenLine xmlns="" xmlns:a14="http://schemas.microsoft.com/office/drawing/2010/main" w="9525">
                   <a:solidFill>
                     <a:srgbClr val="000000"/>
                   </a:solidFill>
@@ -3027,7 +3032,7 @@
             </a:ln>
             <a:extLst>
               <a:ext uri="{91240B29-F687-4f45-9708-019B960494DF}">
-                <a14:hiddenLine xmlns:a14="http://schemas.microsoft.com/office/drawing/2010/main" xmlns="" w="9525">
+                <a14:hiddenLine xmlns="" xmlns:a14="http://schemas.microsoft.com/office/drawing/2010/main" w="9525">
                   <a:solidFill>
                     <a:srgbClr val="000000"/>
                   </a:solidFill>
@@ -3089,7 +3094,7 @@
             </a:ln>
             <a:extLst>
               <a:ext uri="{91240B29-F687-4f45-9708-019B960494DF}">
-                <a14:hiddenLine xmlns:a14="http://schemas.microsoft.com/office/drawing/2010/main" xmlns="" w="9525">
+                <a14:hiddenLine xmlns="" xmlns:a14="http://schemas.microsoft.com/office/drawing/2010/main" w="9525">
                   <a:solidFill>
                     <a:srgbClr val="000000"/>
                   </a:solidFill>
@@ -3179,7 +3184,7 @@
             </a:ln>
             <a:extLst>
               <a:ext uri="{91240B29-F687-4f45-9708-019B960494DF}">
-                <a14:hiddenLine xmlns:a14="http://schemas.microsoft.com/office/drawing/2010/main" xmlns="" w="9525">
+                <a14:hiddenLine xmlns="" xmlns:a14="http://schemas.microsoft.com/office/drawing/2010/main" w="9525">
                   <a:solidFill>
                     <a:srgbClr val="000000"/>
                   </a:solidFill>
@@ -3213,7 +3218,7 @@
             </a:ln>
             <a:extLst>
               <a:ext uri="{91240B29-F687-4f45-9708-019B960494DF}">
-                <a14:hiddenLine xmlns:a14="http://schemas.microsoft.com/office/drawing/2010/main" xmlns="" w="9525">
+                <a14:hiddenLine xmlns="" xmlns:a14="http://schemas.microsoft.com/office/drawing/2010/main" w="9525">
                   <a:solidFill>
                     <a:srgbClr val="000000"/>
                   </a:solidFill>
@@ -3278,7 +3283,7 @@
             </a:ln>
             <a:extLst>
               <a:ext uri="{91240B29-F687-4f45-9708-019B960494DF}">
-                <a14:hiddenLine xmlns:a14="http://schemas.microsoft.com/office/drawing/2010/main" xmlns="" w="9525">
+                <a14:hiddenLine xmlns="" xmlns:a14="http://schemas.microsoft.com/office/drawing/2010/main" w="9525">
                   <a:solidFill>
                     <a:srgbClr val="000000"/>
                   </a:solidFill>
@@ -3368,7 +3373,7 @@
             </a:ln>
             <a:extLst>
               <a:ext uri="{91240B29-F687-4f45-9708-019B960494DF}">
-                <a14:hiddenLine xmlns:a14="http://schemas.microsoft.com/office/drawing/2010/main" xmlns="" w="9525">
+                <a14:hiddenLine xmlns="" xmlns:a14="http://schemas.microsoft.com/office/drawing/2010/main" w="9525">
                   <a:solidFill>
                     <a:srgbClr val="000000"/>
                   </a:solidFill>
@@ -3430,7 +3435,7 @@
             </a:ln>
             <a:extLst>
               <a:ext uri="{91240B29-F687-4f45-9708-019B960494DF}">
-                <a14:hiddenLine xmlns:a14="http://schemas.microsoft.com/office/drawing/2010/main" xmlns="" w="9525">
+                <a14:hiddenLine xmlns="" xmlns:a14="http://schemas.microsoft.com/office/drawing/2010/main" w="9525">
                   <a:solidFill>
                     <a:srgbClr val="000000"/>
                   </a:solidFill>
@@ -3520,7 +3525,7 @@
             </a:ln>
             <a:extLst>
               <a:ext uri="{91240B29-F687-4f45-9708-019B960494DF}">
-                <a14:hiddenLine xmlns:a14="http://schemas.microsoft.com/office/drawing/2010/main" xmlns="" w="9525">
+                <a14:hiddenLine xmlns="" xmlns:a14="http://schemas.microsoft.com/office/drawing/2010/main" w="9525">
                   <a:solidFill>
                     <a:srgbClr val="000000"/>
                   </a:solidFill>
@@ -3610,7 +3615,7 @@
             </a:ln>
             <a:extLst>
               <a:ext uri="{91240B29-F687-4f45-9708-019B960494DF}">
-                <a14:hiddenLine xmlns:a14="http://schemas.microsoft.com/office/drawing/2010/main" xmlns="" w="9525">
+                <a14:hiddenLine xmlns="" xmlns:a14="http://schemas.microsoft.com/office/drawing/2010/main" w="9525">
                   <a:solidFill>
                     <a:srgbClr val="000000"/>
                   </a:solidFill>
@@ -3675,7 +3680,7 @@
             </a:ln>
             <a:extLst>
               <a:ext uri="{91240B29-F687-4f45-9708-019B960494DF}">
-                <a14:hiddenLine xmlns:a14="http://schemas.microsoft.com/office/drawing/2010/main" xmlns="" w="9525">
+                <a14:hiddenLine xmlns="" xmlns:a14="http://schemas.microsoft.com/office/drawing/2010/main" w="9525">
                   <a:solidFill>
                     <a:srgbClr val="000000"/>
                   </a:solidFill>
@@ -3737,7 +3742,7 @@
             </a:ln>
             <a:extLst>
               <a:ext uri="{91240B29-F687-4f45-9708-019B960494DF}">
-                <a14:hiddenLine xmlns:a14="http://schemas.microsoft.com/office/drawing/2010/main" xmlns="" w="9525">
+                <a14:hiddenLine xmlns="" xmlns:a14="http://schemas.microsoft.com/office/drawing/2010/main" w="9525">
                   <a:solidFill>
                     <a:srgbClr val="000000"/>
                   </a:solidFill>
@@ -3827,7 +3832,7 @@
             </a:ln>
             <a:extLst>
               <a:ext uri="{91240B29-F687-4f45-9708-019B960494DF}">
-                <a14:hiddenLine xmlns:a14="http://schemas.microsoft.com/office/drawing/2010/main" xmlns="" w="9525">
+                <a14:hiddenLine xmlns="" xmlns:a14="http://schemas.microsoft.com/office/drawing/2010/main" w="9525">
                   <a:solidFill>
                     <a:srgbClr val="000000"/>
                   </a:solidFill>
@@ -3917,7 +3922,7 @@
             </a:ln>
             <a:extLst>
               <a:ext uri="{91240B29-F687-4f45-9708-019B960494DF}">
-                <a14:hiddenLine xmlns:a14="http://schemas.microsoft.com/office/drawing/2010/main" xmlns="" w="9525">
+                <a14:hiddenLine xmlns="" xmlns:a14="http://schemas.microsoft.com/office/drawing/2010/main" w="9525">
                   <a:solidFill>
                     <a:srgbClr val="000000"/>
                   </a:solidFill>
@@ -3979,7 +3984,7 @@
             </a:ln>
             <a:extLst>
               <a:ext uri="{91240B29-F687-4f45-9708-019B960494DF}">
-                <a14:hiddenLine xmlns:a14="http://schemas.microsoft.com/office/drawing/2010/main" xmlns="" w="9525">
+                <a14:hiddenLine xmlns="" xmlns:a14="http://schemas.microsoft.com/office/drawing/2010/main" w="9525">
                   <a:solidFill>
                     <a:srgbClr val="000000"/>
                   </a:solidFill>
@@ -4099,7 +4104,7 @@
             </a:ln>
             <a:extLst>
               <a:ext uri="{91240B29-F687-4f45-9708-019B960494DF}">
-                <a14:hiddenLine xmlns:a14="http://schemas.microsoft.com/office/drawing/2010/main" xmlns="" w="9525">
+                <a14:hiddenLine xmlns="" xmlns:a14="http://schemas.microsoft.com/office/drawing/2010/main" w="9525">
                   <a:solidFill>
                     <a:srgbClr val="000000"/>
                   </a:solidFill>
@@ -4167,7 +4172,7 @@
             </a:ln>
             <a:extLst>
               <a:ext uri="{91240B29-F687-4f45-9708-019B960494DF}">
-                <a14:hiddenLine xmlns:a14="http://schemas.microsoft.com/office/drawing/2010/main" xmlns="" w="9525">
+                <a14:hiddenLine xmlns="" xmlns:a14="http://schemas.microsoft.com/office/drawing/2010/main" w="9525">
                   <a:solidFill>
                     <a:srgbClr val="000000"/>
                   </a:solidFill>
@@ -4257,7 +4262,7 @@
             </a:ln>
             <a:extLst>
               <a:ext uri="{91240B29-F687-4f45-9708-019B960494DF}">
-                <a14:hiddenLine xmlns:a14="http://schemas.microsoft.com/office/drawing/2010/main" xmlns="" w="9525">
+                <a14:hiddenLine xmlns="" xmlns:a14="http://schemas.microsoft.com/office/drawing/2010/main" w="9525">
                   <a:solidFill>
                     <a:srgbClr val="000000"/>
                   </a:solidFill>
@@ -9064,7 +9069,7 @@
           <a:noFill/>
           <a:extLst>
             <a:ext uri="{909E8E84-426E-40dd-AFC4-6F175D3DCCD1}">
-              <a14:hiddenFill xmlns:a14="http://schemas.microsoft.com/office/drawing/2010/main" xmlns="">
+              <a14:hiddenFill xmlns="" xmlns:a14="http://schemas.microsoft.com/office/drawing/2010/main">
                 <a:solidFill>
                   <a:srgbClr val="FFFFFF"/>
                 </a:solidFill>
@@ -9138,7 +9143,7 @@
               </a:ln>
               <a:extLst>
                 <a:ext uri="{91240B29-F687-4f45-9708-019B960494DF}">
-                  <a14:hiddenLine xmlns:a14="http://schemas.microsoft.com/office/drawing/2010/main" xmlns="" w="9525">
+                  <a14:hiddenLine xmlns="" xmlns:a14="http://schemas.microsoft.com/office/drawing/2010/main" w="9525">
                     <a:solidFill>
                       <a:srgbClr val="000000"/>
                     </a:solidFill>
@@ -9228,7 +9233,7 @@
               </a:ln>
               <a:extLst>
                 <a:ext uri="{91240B29-F687-4f45-9708-019B960494DF}">
-                  <a14:hiddenLine xmlns:a14="http://schemas.microsoft.com/office/drawing/2010/main" xmlns="" w="9525">
+                  <a14:hiddenLine xmlns="" xmlns:a14="http://schemas.microsoft.com/office/drawing/2010/main" w="9525">
                     <a:solidFill>
                       <a:srgbClr val="000000"/>
                     </a:solidFill>
@@ -9318,7 +9323,7 @@
               </a:ln>
               <a:extLst>
                 <a:ext uri="{91240B29-F687-4f45-9708-019B960494DF}">
-                  <a14:hiddenLine xmlns:a14="http://schemas.microsoft.com/office/drawing/2010/main" xmlns="" w="9525">
+                  <a14:hiddenLine xmlns="" xmlns:a14="http://schemas.microsoft.com/office/drawing/2010/main" w="9525">
                     <a:solidFill>
                       <a:srgbClr val="000000"/>
                     </a:solidFill>
@@ -9380,7 +9385,7 @@
               </a:ln>
               <a:extLst>
                 <a:ext uri="{91240B29-F687-4f45-9708-019B960494DF}">
-                  <a14:hiddenLine xmlns:a14="http://schemas.microsoft.com/office/drawing/2010/main" xmlns="" w="9525">
+                  <a14:hiddenLine xmlns="" xmlns:a14="http://schemas.microsoft.com/office/drawing/2010/main" w="9525">
                     <a:solidFill>
                       <a:srgbClr val="000000"/>
                     </a:solidFill>
@@ -9470,7 +9475,7 @@
               </a:ln>
               <a:extLst>
                 <a:ext uri="{91240B29-F687-4f45-9708-019B960494DF}">
-                  <a14:hiddenLine xmlns:a14="http://schemas.microsoft.com/office/drawing/2010/main" xmlns="" w="9525">
+                  <a14:hiddenLine xmlns="" xmlns:a14="http://schemas.microsoft.com/office/drawing/2010/main" w="9525">
                     <a:solidFill>
                       <a:srgbClr val="000000"/>
                     </a:solidFill>
@@ -9532,7 +9537,7 @@
               </a:ln>
               <a:extLst>
                 <a:ext uri="{91240B29-F687-4f45-9708-019B960494DF}">
-                  <a14:hiddenLine xmlns:a14="http://schemas.microsoft.com/office/drawing/2010/main" xmlns="" w="9525">
+                  <a14:hiddenLine xmlns="" xmlns:a14="http://schemas.microsoft.com/office/drawing/2010/main" w="9525">
                     <a:solidFill>
                       <a:srgbClr val="000000"/>
                     </a:solidFill>
@@ -9594,7 +9599,7 @@
               </a:ln>
               <a:extLst>
                 <a:ext uri="{91240B29-F687-4f45-9708-019B960494DF}">
-                  <a14:hiddenLine xmlns:a14="http://schemas.microsoft.com/office/drawing/2010/main" xmlns="" w="9525">
+                  <a14:hiddenLine xmlns="" xmlns:a14="http://schemas.microsoft.com/office/drawing/2010/main" w="9525">
                     <a:solidFill>
                       <a:srgbClr val="000000"/>
                     </a:solidFill>
@@ -9684,7 +9689,7 @@
               </a:ln>
               <a:extLst>
                 <a:ext uri="{91240B29-F687-4f45-9708-019B960494DF}">
-                  <a14:hiddenLine xmlns:a14="http://schemas.microsoft.com/office/drawing/2010/main" xmlns="" w="9525">
+                  <a14:hiddenLine xmlns="" xmlns:a14="http://schemas.microsoft.com/office/drawing/2010/main" w="9525">
                     <a:solidFill>
                       <a:srgbClr val="000000"/>
                     </a:solidFill>
@@ -9774,7 +9779,7 @@
               </a:ln>
               <a:extLst>
                 <a:ext uri="{91240B29-F687-4f45-9708-019B960494DF}">
-                  <a14:hiddenLine xmlns:a14="http://schemas.microsoft.com/office/drawing/2010/main" xmlns="" w="9525">
+                  <a14:hiddenLine xmlns="" xmlns:a14="http://schemas.microsoft.com/office/drawing/2010/main" w="9525">
                     <a:solidFill>
                       <a:srgbClr val="000000"/>
                     </a:solidFill>
@@ -9836,7 +9841,7 @@
               </a:ln>
               <a:extLst>
                 <a:ext uri="{91240B29-F687-4f45-9708-019B960494DF}">
-                  <a14:hiddenLine xmlns:a14="http://schemas.microsoft.com/office/drawing/2010/main" xmlns="" w="9525">
+                  <a14:hiddenLine xmlns="" xmlns:a14="http://schemas.microsoft.com/office/drawing/2010/main" w="9525">
                     <a:solidFill>
                       <a:srgbClr val="000000"/>
                     </a:solidFill>
@@ -9946,7 +9951,7 @@
               </a:ln>
               <a:extLst>
                 <a:ext uri="{91240B29-F687-4f45-9708-019B960494DF}">
-                  <a14:hiddenLine xmlns:a14="http://schemas.microsoft.com/office/drawing/2010/main" xmlns="" w="9525">
+                  <a14:hiddenLine xmlns="" xmlns:a14="http://schemas.microsoft.com/office/drawing/2010/main" w="9525">
                     <a:solidFill>
                       <a:srgbClr val="000000"/>
                     </a:solidFill>
@@ -10030,7 +10035,7 @@
               </a:ln>
               <a:extLst>
                 <a:ext uri="{91240B29-F687-4f45-9708-019B960494DF}">
-                  <a14:hiddenLine xmlns:a14="http://schemas.microsoft.com/office/drawing/2010/main" xmlns="" w="9525">
+                  <a14:hiddenLine xmlns="" xmlns:a14="http://schemas.microsoft.com/office/drawing/2010/main" w="9525">
                     <a:solidFill>
                       <a:srgbClr val="000000"/>
                     </a:solidFill>
@@ -10092,7 +10097,7 @@
               </a:ln>
               <a:extLst>
                 <a:ext uri="{91240B29-F687-4f45-9708-019B960494DF}">
-                  <a14:hiddenLine xmlns:a14="http://schemas.microsoft.com/office/drawing/2010/main" xmlns="" w="9525">
+                  <a14:hiddenLine xmlns="" xmlns:a14="http://schemas.microsoft.com/office/drawing/2010/main" w="9525">
                     <a:solidFill>
                       <a:srgbClr val="000000"/>
                     </a:solidFill>
@@ -10154,7 +10159,7 @@
               </a:ln>
               <a:extLst>
                 <a:ext uri="{91240B29-F687-4f45-9708-019B960494DF}">
-                  <a14:hiddenLine xmlns:a14="http://schemas.microsoft.com/office/drawing/2010/main" xmlns="" w="9525">
+                  <a14:hiddenLine xmlns="" xmlns:a14="http://schemas.microsoft.com/office/drawing/2010/main" w="9525">
                     <a:solidFill>
                       <a:srgbClr val="000000"/>
                     </a:solidFill>
@@ -10244,7 +10249,7 @@
               </a:ln>
               <a:extLst>
                 <a:ext uri="{91240B29-F687-4f45-9708-019B960494DF}">
-                  <a14:hiddenLine xmlns:a14="http://schemas.microsoft.com/office/drawing/2010/main" xmlns="" w="9525">
+                  <a14:hiddenLine xmlns="" xmlns:a14="http://schemas.microsoft.com/office/drawing/2010/main" w="9525">
                     <a:solidFill>
                       <a:srgbClr val="000000"/>
                     </a:solidFill>
@@ -10278,7 +10283,7 @@
               </a:ln>
               <a:extLst>
                 <a:ext uri="{91240B29-F687-4f45-9708-019B960494DF}">
-                  <a14:hiddenLine xmlns:a14="http://schemas.microsoft.com/office/drawing/2010/main" xmlns="" w="9525">
+                  <a14:hiddenLine xmlns="" xmlns:a14="http://schemas.microsoft.com/office/drawing/2010/main" w="9525">
                     <a:solidFill>
                       <a:srgbClr val="000000"/>
                     </a:solidFill>
@@ -10343,7 +10348,7 @@
               </a:ln>
               <a:extLst>
                 <a:ext uri="{91240B29-F687-4f45-9708-019B960494DF}">
-                  <a14:hiddenLine xmlns:a14="http://schemas.microsoft.com/office/drawing/2010/main" xmlns="" w="9525">
+                  <a14:hiddenLine xmlns="" xmlns:a14="http://schemas.microsoft.com/office/drawing/2010/main" w="9525">
                     <a:solidFill>
                       <a:srgbClr val="000000"/>
                     </a:solidFill>
@@ -10433,7 +10438,7 @@
               </a:ln>
               <a:extLst>
                 <a:ext uri="{91240B29-F687-4f45-9708-019B960494DF}">
-                  <a14:hiddenLine xmlns:a14="http://schemas.microsoft.com/office/drawing/2010/main" xmlns="" w="9525">
+                  <a14:hiddenLine xmlns="" xmlns:a14="http://schemas.microsoft.com/office/drawing/2010/main" w="9525">
                     <a:solidFill>
                       <a:srgbClr val="000000"/>
                     </a:solidFill>
@@ -10495,7 +10500,7 @@
               </a:ln>
               <a:extLst>
                 <a:ext uri="{91240B29-F687-4f45-9708-019B960494DF}">
-                  <a14:hiddenLine xmlns:a14="http://schemas.microsoft.com/office/drawing/2010/main" xmlns="" w="9525">
+                  <a14:hiddenLine xmlns="" xmlns:a14="http://schemas.microsoft.com/office/drawing/2010/main" w="9525">
                     <a:solidFill>
                       <a:srgbClr val="000000"/>
                     </a:solidFill>
@@ -10585,7 +10590,7 @@
               </a:ln>
               <a:extLst>
                 <a:ext uri="{91240B29-F687-4f45-9708-019B960494DF}">
-                  <a14:hiddenLine xmlns:a14="http://schemas.microsoft.com/office/drawing/2010/main" xmlns="" w="9525">
+                  <a14:hiddenLine xmlns="" xmlns:a14="http://schemas.microsoft.com/office/drawing/2010/main" w="9525">
                     <a:solidFill>
                       <a:srgbClr val="000000"/>
                     </a:solidFill>
@@ -10650,7 +10655,7 @@
               </a:ln>
               <a:extLst>
                 <a:ext uri="{91240B29-F687-4f45-9708-019B960494DF}">
-                  <a14:hiddenLine xmlns:a14="http://schemas.microsoft.com/office/drawing/2010/main" xmlns="" w="9525">
+                  <a14:hiddenLine xmlns="" xmlns:a14="http://schemas.microsoft.com/office/drawing/2010/main" w="9525">
                     <a:solidFill>
                       <a:srgbClr val="000000"/>
                     </a:solidFill>
@@ -10712,7 +10717,7 @@
               </a:ln>
               <a:extLst>
                 <a:ext uri="{91240B29-F687-4f45-9708-019B960494DF}">
-                  <a14:hiddenLine xmlns:a14="http://schemas.microsoft.com/office/drawing/2010/main" xmlns="" w="9525">
+                  <a14:hiddenLine xmlns="" xmlns:a14="http://schemas.microsoft.com/office/drawing/2010/main" w="9525">
                     <a:solidFill>
                       <a:srgbClr val="000000"/>
                     </a:solidFill>
@@ -10802,7 +10807,7 @@
               </a:ln>
               <a:extLst>
                 <a:ext uri="{91240B29-F687-4f45-9708-019B960494DF}">
-                  <a14:hiddenLine xmlns:a14="http://schemas.microsoft.com/office/drawing/2010/main" xmlns="" w="9525">
+                  <a14:hiddenLine xmlns="" xmlns:a14="http://schemas.microsoft.com/office/drawing/2010/main" w="9525">
                     <a:solidFill>
                       <a:srgbClr val="000000"/>
                     </a:solidFill>
@@ -10892,7 +10897,7 @@
               </a:ln>
               <a:extLst>
                 <a:ext uri="{91240B29-F687-4f45-9708-019B960494DF}">
-                  <a14:hiddenLine xmlns:a14="http://schemas.microsoft.com/office/drawing/2010/main" xmlns="" w="9525">
+                  <a14:hiddenLine xmlns="" xmlns:a14="http://schemas.microsoft.com/office/drawing/2010/main" w="9525">
                     <a:solidFill>
                       <a:srgbClr val="000000"/>
                     </a:solidFill>
@@ -10957,7 +10962,7 @@
               </a:ln>
               <a:extLst>
                 <a:ext uri="{91240B29-F687-4f45-9708-019B960494DF}">
-                  <a14:hiddenLine xmlns:a14="http://schemas.microsoft.com/office/drawing/2010/main" xmlns="" w="9525">
+                  <a14:hiddenLine xmlns="" xmlns:a14="http://schemas.microsoft.com/office/drawing/2010/main" w="9525">
                     <a:solidFill>
                       <a:srgbClr val="000000"/>
                     </a:solidFill>
@@ -11077,7 +11082,7 @@
               </a:ln>
               <a:extLst>
                 <a:ext uri="{91240B29-F687-4f45-9708-019B960494DF}">
-                  <a14:hiddenLine xmlns:a14="http://schemas.microsoft.com/office/drawing/2010/main" xmlns="" w="9525">
+                  <a14:hiddenLine xmlns="" xmlns:a14="http://schemas.microsoft.com/office/drawing/2010/main" w="9525">
                     <a:solidFill>
                       <a:srgbClr val="000000"/>
                     </a:solidFill>
@@ -11175,7 +11180,7 @@
               </a:ln>
               <a:extLst>
                 <a:ext uri="{91240B29-F687-4f45-9708-019B960494DF}">
-                  <a14:hiddenLine xmlns:a14="http://schemas.microsoft.com/office/drawing/2010/main" xmlns="" w="9525">
+                  <a14:hiddenLine xmlns="" xmlns:a14="http://schemas.microsoft.com/office/drawing/2010/main" w="9525">
                     <a:solidFill>
                       <a:srgbClr val="000000"/>
                     </a:solidFill>
@@ -11290,7 +11295,7 @@
               </a:ln>
               <a:extLst>
                 <a:ext uri="{91240B29-F687-4f45-9708-019B960494DF}">
-                  <a14:hiddenLine xmlns:a14="http://schemas.microsoft.com/office/drawing/2010/main" xmlns="" w="9525">
+                  <a14:hiddenLine xmlns="" xmlns:a14="http://schemas.microsoft.com/office/drawing/2010/main" w="9525">
                     <a:solidFill>
                       <a:srgbClr val="000000"/>
                     </a:solidFill>
@@ -11380,7 +11385,7 @@
               </a:ln>
               <a:extLst>
                 <a:ext uri="{91240B29-F687-4f45-9708-019B960494DF}">
-                  <a14:hiddenLine xmlns:a14="http://schemas.microsoft.com/office/drawing/2010/main" xmlns="" w="9525">
+                  <a14:hiddenLine xmlns="" xmlns:a14="http://schemas.microsoft.com/office/drawing/2010/main" w="9525">
                     <a:solidFill>
                       <a:srgbClr val="000000"/>
                     </a:solidFill>
@@ -11445,7 +11450,7 @@
               </a:ln>
               <a:extLst>
                 <a:ext uri="{91240B29-F687-4f45-9708-019B960494DF}">
-                  <a14:hiddenLine xmlns:a14="http://schemas.microsoft.com/office/drawing/2010/main" xmlns="" w="9525">
+                  <a14:hiddenLine xmlns="" xmlns:a14="http://schemas.microsoft.com/office/drawing/2010/main" w="9525">
                     <a:solidFill>
                       <a:srgbClr val="000000"/>
                     </a:solidFill>
@@ -11535,7 +11540,7 @@
               </a:ln>
               <a:extLst>
                 <a:ext uri="{91240B29-F687-4f45-9708-019B960494DF}">
-                  <a14:hiddenLine xmlns:a14="http://schemas.microsoft.com/office/drawing/2010/main" xmlns="" w="9525">
+                  <a14:hiddenLine xmlns="" xmlns:a14="http://schemas.microsoft.com/office/drawing/2010/main" w="9525">
                     <a:solidFill>
                       <a:srgbClr val="000000"/>
                     </a:solidFill>
@@ -11603,7 +11608,7 @@
               </a:ln>
               <a:extLst>
                 <a:ext uri="{91240B29-F687-4f45-9708-019B960494DF}">
-                  <a14:hiddenLine xmlns:a14="http://schemas.microsoft.com/office/drawing/2010/main" xmlns="" w="9525">
+                  <a14:hiddenLine xmlns="" xmlns:a14="http://schemas.microsoft.com/office/drawing/2010/main" w="9525">
                     <a:solidFill>
                       <a:srgbClr val="000000"/>
                     </a:solidFill>
@@ -11693,7 +11698,7 @@
               </a:ln>
               <a:extLst>
                 <a:ext uri="{91240B29-F687-4f45-9708-019B960494DF}">
-                  <a14:hiddenLine xmlns:a14="http://schemas.microsoft.com/office/drawing/2010/main" xmlns="" w="9525">
+                  <a14:hiddenLine xmlns="" xmlns:a14="http://schemas.microsoft.com/office/drawing/2010/main" w="9525">
                     <a:solidFill>
                       <a:srgbClr val="000000"/>
                     </a:solidFill>
@@ -11761,7 +11766,7 @@
               </a:ln>
               <a:extLst>
                 <a:ext uri="{91240B29-F687-4f45-9708-019B960494DF}">
-                  <a14:hiddenLine xmlns:a14="http://schemas.microsoft.com/office/drawing/2010/main" xmlns="" w="9525">
+                  <a14:hiddenLine xmlns="" xmlns:a14="http://schemas.microsoft.com/office/drawing/2010/main" w="9525">
                     <a:solidFill>
                       <a:srgbClr val="000000"/>
                     </a:solidFill>
@@ -11851,7 +11856,7 @@
               </a:ln>
               <a:extLst>
                 <a:ext uri="{91240B29-F687-4f45-9708-019B960494DF}">
-                  <a14:hiddenLine xmlns:a14="http://schemas.microsoft.com/office/drawing/2010/main" xmlns="" w="9525">
+                  <a14:hiddenLine xmlns="" xmlns:a14="http://schemas.microsoft.com/office/drawing/2010/main" w="9525">
                     <a:solidFill>
                       <a:srgbClr val="000000"/>
                     </a:solidFill>
@@ -11885,7 +11890,7 @@
               </a:ln>
               <a:extLst>
                 <a:ext uri="{91240B29-F687-4f45-9708-019B960494DF}">
-                  <a14:hiddenLine xmlns:a14="http://schemas.microsoft.com/office/drawing/2010/main" xmlns="" w="9525">
+                  <a14:hiddenLine xmlns="" xmlns:a14="http://schemas.microsoft.com/office/drawing/2010/main" w="9525">
                     <a:solidFill>
                       <a:srgbClr val="000000"/>
                     </a:solidFill>
@@ -14413,43 +14418,6 @@
           </a:p>
         </p:txBody>
       </p:sp>
-      <p:sp>
-        <p:nvSpPr>
-          <p:cNvPr id="4" name="Slide Number Placeholder 1"/>
-          <p:cNvSpPr>
-            <a:spLocks noGrp="1"/>
-          </p:cNvSpPr>
-          <p:nvPr>
-            <p:ph type="sldNum" idx="12"/>
-          </p:nvPr>
-        </p:nvSpPr>
-        <p:spPr>
-          <a:xfrm>
-            <a:off x="8472458" y="4663217"/>
-            <a:ext cx="548700" cy="393600"/>
-          </a:xfrm>
-        </p:spPr>
-        <p:txBody>
-          <a:bodyPr/>
-          <a:lstStyle/>
-          <a:p>
-            <a:pPr marL="0" lvl="0" indent="0" algn="r" rtl="0">
-              <a:spcBef>
-                <a:spcPts val="0"/>
-              </a:spcBef>
-              <a:spcAft>
-                <a:spcPts val="0"/>
-              </a:spcAft>
-              <a:buNone/>
-            </a:pPr>
-            <a:fld id="{00000000-1234-1234-1234-123412341234}" type="slidenum">
-              <a:rPr lang="en" smtClean="0"/>
-              <a:t>14</a:t>
-            </a:fld>
-            <a:endParaRPr lang="en"/>
-          </a:p>
-        </p:txBody>
-      </p:sp>
     </p:spTree>
     <p:extLst>
       <p:ext uri="{BB962C8B-B14F-4D97-AF65-F5344CB8AC3E}">
@@ -15772,10 +15740,6 @@
               </a:rPr>
               <a:t> is a powerful security model.</a:t>
             </a:r>
-            <a:endParaRPr lang="en-US" sz="2400" dirty="0">
-              <a:latin typeface="Times New Roman" panose="02020603050405020304" pitchFamily="18" charset="0"/>
-              <a:cs typeface="Times New Roman" panose="02020603050405020304" pitchFamily="18" charset="0"/>
-            </a:endParaRPr>
           </a:p>
         </p:txBody>
       </p:sp>
